--- a/Share/灵魂世界.pptx
+++ b/Share/灵魂世界.pptx
@@ -5,7 +5,7 @@
     <p:sldMasterId id="2147483648" r:id="rId1"/>
   </p:sldMasterIdLst>
   <p:notesMasterIdLst>
-    <p:notesMasterId r:id="rId7"/>
+    <p:notesMasterId r:id="rId8"/>
   </p:notesMasterIdLst>
   <p:sldIdLst>
     <p:sldId id="256" r:id="rId2"/>
@@ -13,6 +13,7 @@
     <p:sldId id="262" r:id="rId4"/>
     <p:sldId id="263" r:id="rId5"/>
     <p:sldId id="261" r:id="rId6"/>
+    <p:sldId id="264" r:id="rId7"/>
   </p:sldIdLst>
   <p:sldSz cx="24384000" cy="13716000"/>
   <p:notesSz cx="6858000" cy="9144000"/>
@@ -2127,7 +2128,7 @@
           </a:ln>
           <a:extLst>
             <a:ext uri="{C572A759-6A51-4108-AA02-DFA0A04FC94B}">
-              <ma14:wrappingTextBoxFlag xmlns:ma14="http://schemas.microsoft.com/office/mac/drawingml/2011/main" xmlns="" val="1"/>
+              <ma14:wrappingTextBoxFlag xmlns="" xmlns:ma14="http://schemas.microsoft.com/office/mac/drawingml/2011/main" val="1"/>
             </a:ext>
           </a:extLst>
         </p:spPr>
@@ -2166,7 +2167,7 @@
           </a:ln>
           <a:extLst>
             <a:ext uri="{C572A759-6A51-4108-AA02-DFA0A04FC94B}">
-              <ma14:wrappingTextBoxFlag xmlns:ma14="http://schemas.microsoft.com/office/mac/drawingml/2011/main" xmlns="" val="1"/>
+              <ma14:wrappingTextBoxFlag xmlns="" xmlns:ma14="http://schemas.microsoft.com/office/mac/drawingml/2011/main" val="1"/>
             </a:ext>
           </a:extLst>
         </p:spPr>
@@ -3152,7 +3153,7 @@
           </a:ln>
           <a:extLst>
             <a:ext uri="{C572A759-6A51-4108-AA02-DFA0A04FC94B}">
-              <ma14:wrappingTextBoxFlag xmlns:ma14="http://schemas.microsoft.com/office/mac/drawingml/2011/main" xmlns="" val="1"/>
+              <ma14:wrappingTextBoxFlag xmlns="" xmlns:ma14="http://schemas.microsoft.com/office/mac/drawingml/2011/main" val="1"/>
             </a:ext>
           </a:extLst>
         </p:spPr>
@@ -3353,7 +3354,7 @@
           </a:ln>
           <a:extLst>
             <a:ext uri="{C572A759-6A51-4108-AA02-DFA0A04FC94B}">
-              <ma14:wrappingTextBoxFlag xmlns:ma14="http://schemas.microsoft.com/office/mac/drawingml/2011/main" xmlns="" val="1"/>
+              <ma14:wrappingTextBoxFlag xmlns="" xmlns:ma14="http://schemas.microsoft.com/office/mac/drawingml/2011/main" val="1"/>
             </a:ext>
           </a:extLst>
         </p:spPr>
@@ -3401,7 +3402,7 @@
           </a:ln>
           <a:extLst>
             <a:ext uri="{C572A759-6A51-4108-AA02-DFA0A04FC94B}">
-              <ma14:wrappingTextBoxFlag xmlns:ma14="http://schemas.microsoft.com/office/mac/drawingml/2011/main" xmlns="" val="1"/>
+              <ma14:wrappingTextBoxFlag xmlns="" xmlns:ma14="http://schemas.microsoft.com/office/mac/drawingml/2011/main" val="1"/>
             </a:ext>
           </a:extLst>
         </p:spPr>
@@ -3920,7 +3921,7 @@
           </a:ln>
           <a:extLst>
             <a:ext uri="{C572A759-6A51-4108-AA02-DFA0A04FC94B}">
-              <ma14:wrappingTextBoxFlag xmlns:ma14="http://schemas.microsoft.com/office/mac/drawingml/2011/main" xmlns="" val="1"/>
+              <ma14:wrappingTextBoxFlag xmlns="" xmlns:ma14="http://schemas.microsoft.com/office/mac/drawingml/2011/main" val="1"/>
             </a:ext>
           </a:extLst>
         </p:spPr>
@@ -3968,7 +3969,7 @@
           </a:ln>
           <a:extLst>
             <a:ext uri="{C572A759-6A51-4108-AA02-DFA0A04FC94B}">
-              <ma14:wrappingTextBoxFlag xmlns:ma14="http://schemas.microsoft.com/office/mac/drawingml/2011/main" xmlns="" val="1"/>
+              <ma14:wrappingTextBoxFlag xmlns="" xmlns:ma14="http://schemas.microsoft.com/office/mac/drawingml/2011/main" val="1"/>
             </a:ext>
           </a:extLst>
         </p:spPr>
@@ -4285,7 +4286,7 @@
           </a:ln>
           <a:extLst>
             <a:ext uri="{C572A759-6A51-4108-AA02-DFA0A04FC94B}">
-              <ma14:wrappingTextBoxFlag xmlns:ma14="http://schemas.microsoft.com/office/mac/drawingml/2011/main" xmlns="" val="1"/>
+              <ma14:wrappingTextBoxFlag xmlns="" xmlns:ma14="http://schemas.microsoft.com/office/mac/drawingml/2011/main" val="1"/>
             </a:ext>
           </a:extLst>
         </p:spPr>
@@ -4333,7 +4334,7 @@
           </a:ln>
           <a:extLst>
             <a:ext uri="{C572A759-6A51-4108-AA02-DFA0A04FC94B}">
-              <ma14:wrappingTextBoxFlag xmlns:ma14="http://schemas.microsoft.com/office/mac/drawingml/2011/main" xmlns="" val="1"/>
+              <ma14:wrappingTextBoxFlag xmlns="" xmlns:ma14="http://schemas.microsoft.com/office/mac/drawingml/2011/main" val="1"/>
             </a:ext>
           </a:extLst>
         </p:spPr>
@@ -4678,7 +4679,7 @@
           </a:ln>
           <a:extLst>
             <a:ext uri="{C572A759-6A51-4108-AA02-DFA0A04FC94B}">
-              <ma14:wrappingTextBoxFlag xmlns:ma14="http://schemas.microsoft.com/office/mac/drawingml/2011/main" xmlns="" val="1"/>
+              <ma14:wrappingTextBoxFlag xmlns="" xmlns:ma14="http://schemas.microsoft.com/office/mac/drawingml/2011/main" val="1"/>
             </a:ext>
           </a:extLst>
         </p:spPr>
@@ -4824,7 +4825,7 @@
           </a:ln>
           <a:extLst>
             <a:ext uri="{C572A759-6A51-4108-AA02-DFA0A04FC94B}">
-              <ma14:wrappingTextBoxFlag xmlns:ma14="http://schemas.microsoft.com/office/mac/drawingml/2011/main" xmlns="" val="1"/>
+              <ma14:wrappingTextBoxFlag xmlns="" xmlns:ma14="http://schemas.microsoft.com/office/mac/drawingml/2011/main" val="1"/>
             </a:ext>
           </a:extLst>
         </p:spPr>
@@ -4867,6 +4868,316 @@
     <p:extLst>
       <p:ext uri="{BB962C8B-B14F-4D97-AF65-F5344CB8AC3E}">
         <p14:creationId xmlns:p14="http://schemas.microsoft.com/office/powerpoint/2010/main" val="3544871912"/>
+      </p:ext>
+    </p:extLst>
+  </p:cSld>
+  <p:clrMapOvr>
+    <a:masterClrMapping/>
+  </p:clrMapOvr>
+  <p:transition spd="slow"/>
+  <p:timing>
+    <p:tnLst>
+      <p:par>
+        <p:cTn id="1" dur="indefinite" restart="never" nodeType="tmRoot"/>
+      </p:par>
+    </p:tnLst>
+  </p:timing>
+</p:sld>
+</file>
+
+<file path=ppt/slides/slide6.xml><?xml version="1.0" encoding="utf-8"?>
+<p:sld xmlns:a="http://schemas.openxmlformats.org/drawingml/2006/main" xmlns:r="http://schemas.openxmlformats.org/officeDocument/2006/relationships" xmlns:p="http://schemas.openxmlformats.org/presentationml/2006/main">
+  <p:cSld>
+    <p:spTree>
+      <p:nvGrpSpPr>
+        <p:cNvPr id="1" name=""/>
+        <p:cNvGrpSpPr/>
+        <p:nvPr/>
+      </p:nvGrpSpPr>
+      <p:grpSpPr>
+        <a:xfrm>
+          <a:off x="0" y="0"/>
+          <a:ext cx="0" cy="0"/>
+          <a:chOff x="0" y="0"/>
+          <a:chExt cx="0" cy="0"/>
+        </a:xfrm>
+      </p:grpSpPr>
+      <p:sp>
+        <p:nvSpPr>
+          <p:cNvPr id="126" name="Shape 126"/>
+          <p:cNvSpPr/>
+          <p:nvPr/>
+        </p:nvSpPr>
+        <p:spPr>
+          <a:xfrm>
+            <a:off x="-31818" y="-153408"/>
+            <a:ext cx="24447634" cy="2786882"/>
+          </a:xfrm>
+          <a:prstGeom prst="rect">
+            <a:avLst/>
+          </a:prstGeom>
+          <a:solidFill>
+            <a:srgbClr val="00AE66"/>
+          </a:solidFill>
+          <a:ln w="12700">
+            <a:miter lim="400000"/>
+          </a:ln>
+        </p:spPr>
+        <p:txBody>
+          <a:bodyPr lIns="50800" tIns="50800" rIns="50800" bIns="50800" anchor="ctr"/>
+          <a:lstStyle/>
+          <a:p>
+            <a:pPr>
+              <a:defRPr sz="3200">
+                <a:solidFill>
+                  <a:srgbClr val="FFFFFF"/>
+                </a:solidFill>
+              </a:defRPr>
+            </a:pPr>
+            <a:endParaRPr/>
+          </a:p>
+        </p:txBody>
+      </p:sp>
+      <p:sp>
+        <p:nvSpPr>
+          <p:cNvPr id="128" name="Shape 128"/>
+          <p:cNvSpPr/>
+          <p:nvPr/>
+        </p:nvSpPr>
+        <p:spPr>
+          <a:xfrm>
+            <a:off x="-71254" y="-122759"/>
+            <a:ext cx="24526507" cy="2756232"/>
+          </a:xfrm>
+          <a:prstGeom prst="rect">
+            <a:avLst/>
+          </a:prstGeom>
+          <a:solidFill>
+            <a:srgbClr val="000000">
+              <a:alpha val="70000"/>
+            </a:srgbClr>
+          </a:solidFill>
+          <a:ln w="12700">
+            <a:miter lim="400000"/>
+          </a:ln>
+          <a:effectLst>
+            <a:outerShdw blurRad="38100" dist="25400" dir="5400000" rotWithShape="0">
+              <a:srgbClr val="000000">
+                <a:alpha val="50000"/>
+              </a:srgbClr>
+            </a:outerShdw>
+          </a:effectLst>
+        </p:spPr>
+        <p:txBody>
+          <a:bodyPr lIns="50800" tIns="50800" rIns="50800" bIns="50800" anchor="ctr"/>
+          <a:lstStyle/>
+          <a:p>
+            <a:pPr>
+              <a:defRPr sz="3200">
+                <a:solidFill>
+                  <a:srgbClr val="FFFFFF"/>
+                </a:solidFill>
+              </a:defRPr>
+            </a:pPr>
+            <a:endParaRPr/>
+          </a:p>
+        </p:txBody>
+      </p:sp>
+      <p:pic>
+        <p:nvPicPr>
+          <p:cNvPr id="129" name="pasted-image.pdf"/>
+          <p:cNvPicPr>
+            <a:picLocks noChangeAspect="1"/>
+          </p:cNvPicPr>
+          <p:nvPr/>
+        </p:nvPicPr>
+        <p:blipFill>
+          <a:blip r:embed="rId2">
+            <a:extLst/>
+          </a:blip>
+          <a:stretch>
+            <a:fillRect/>
+          </a:stretch>
+        </p:blipFill>
+        <p:spPr>
+          <a:xfrm>
+            <a:off x="10238213" y="-109728"/>
+            <a:ext cx="3800445" cy="1093470"/>
+          </a:xfrm>
+          <a:prstGeom prst="rect">
+            <a:avLst/>
+          </a:prstGeom>
+          <a:ln w="12700">
+            <a:miter lim="400000"/>
+          </a:ln>
+        </p:spPr>
+      </p:pic>
+      <p:sp>
+        <p:nvSpPr>
+          <p:cNvPr id="130" name="Shape 130"/>
+          <p:cNvSpPr/>
+          <p:nvPr/>
+        </p:nvSpPr>
+        <p:spPr>
+          <a:xfrm>
+            <a:off x="10327051" y="1170225"/>
+            <a:ext cx="3693319" cy="1179810"/>
+          </a:xfrm>
+          <a:prstGeom prst="rect">
+            <a:avLst/>
+          </a:prstGeom>
+          <a:ln w="12700">
+            <a:miter lim="400000"/>
+          </a:ln>
+          <a:extLst>
+            <a:ext uri="{C572A759-6A51-4108-AA02-DFA0A04FC94B}">
+              <ma14:wrappingTextBoxFlag xmlns="" xmlns:ma14="http://schemas.microsoft.com/office/mac/drawingml/2011/main" val="1"/>
+            </a:ext>
+          </a:extLst>
+        </p:spPr>
+        <p:txBody>
+          <a:bodyPr wrap="none" lIns="50800" tIns="50800" rIns="50800" bIns="50800" anchor="ctr">
+            <a:spAutoFit/>
+          </a:bodyPr>
+          <a:lstStyle/>
+          <a:p>
+            <a:pPr>
+              <a:defRPr sz="7000" b="1">
+                <a:solidFill>
+                  <a:srgbClr val="FFFFFF"/>
+                </a:solidFill>
+                <a:latin typeface="Helvetica"/>
+                <a:ea typeface="Helvetica"/>
+                <a:cs typeface="Helvetica"/>
+                <a:sym typeface="Helvetica"/>
+              </a:defRPr>
+            </a:pPr>
+            <a:r>
+              <a:rPr lang="zh-CN" altLang="en-US" dirty="0" smtClean="0"/>
+              <a:t>核心玩法</a:t>
+            </a:r>
+            <a:endParaRPr dirty="0" smtClean="0"/>
+          </a:p>
+        </p:txBody>
+      </p:sp>
+      <p:sp>
+        <p:nvSpPr>
+          <p:cNvPr id="3" name="Rectangle 2"/>
+          <p:cNvSpPr/>
+          <p:nvPr/>
+        </p:nvSpPr>
+        <p:spPr>
+          <a:xfrm>
+            <a:off x="-50106" y="2599045"/>
+            <a:ext cx="3521467" cy="872034"/>
+          </a:xfrm>
+          <a:prstGeom prst="rect">
+            <a:avLst/>
+          </a:prstGeom>
+          <a:solidFill>
+            <a:srgbClr val="00AF66"/>
+          </a:solidFill>
+          <a:ln w="12700" cap="flat">
+            <a:solidFill>
+              <a:schemeClr val="tx1"/>
+            </a:solidFill>
+            <a:miter lim="400000"/>
+          </a:ln>
+          <a:effectLst>
+            <a:outerShdw blurRad="38100" dist="25400" dir="5400000" rotWithShape="0">
+              <a:srgbClr val="000000">
+                <a:alpha val="50000"/>
+              </a:srgbClr>
+            </a:outerShdw>
+          </a:effectLst>
+          <a:sp3d/>
+        </p:spPr>
+        <p:style>
+          <a:lnRef idx="0">
+            <a:scrgbClr r="0" g="0" b="0"/>
+          </a:lnRef>
+          <a:fillRef idx="0">
+            <a:scrgbClr r="0" g="0" b="0"/>
+          </a:fillRef>
+          <a:effectRef idx="0">
+            <a:scrgbClr r="0" g="0" b="0"/>
+          </a:effectRef>
+          <a:fontRef idx="none"/>
+        </p:style>
+        <p:txBody>
+          <a:bodyPr rot="0" spcFirstLastPara="1" vertOverflow="overflow" horzOverflow="overflow" vert="horz" wrap="square" lIns="50800" tIns="50800" rIns="50800" bIns="50800" numCol="1" spcCol="38100" rtlCol="0" anchor="ctr">
+            <a:spAutoFit/>
+          </a:bodyPr>
+          <a:lstStyle/>
+          <a:p>
+            <a:pPr marL="0" marR="0" indent="0" algn="ctr" defTabSz="825500" rtl="0" fontAlgn="auto" latinLnBrk="0" hangingPunct="0">
+              <a:lnSpc>
+                <a:spcPct val="100000"/>
+              </a:lnSpc>
+              <a:spcBef>
+                <a:spcPts val="0"/>
+              </a:spcBef>
+              <a:spcAft>
+                <a:spcPts val="0"/>
+              </a:spcAft>
+              <a:buClrTx/>
+              <a:buSzTx/>
+              <a:buFontTx/>
+              <a:buNone/>
+              <a:tabLst/>
+            </a:pPr>
+            <a:r>
+              <a:rPr kumimoji="0" lang="zh-CN" altLang="en-US" b="0" i="0" u="none" strike="noStrike" cap="none" spc="0" normalizeH="0" baseline="0" dirty="0" smtClean="0">
+                <a:ln>
+                  <a:noFill/>
+                </a:ln>
+                <a:solidFill>
+                  <a:srgbClr val="FFFFFF"/>
+                </a:solidFill>
+                <a:effectLst/>
+                <a:uFillTx/>
+                <a:latin typeface="微软雅黑" panose="020B0503020204020204" pitchFamily="34" charset="-122"/>
+                <a:ea typeface="微软雅黑" panose="020B0503020204020204" pitchFamily="34" charset="-122"/>
+                <a:sym typeface="Helvetica Light"/>
+              </a:rPr>
+              <a:t>时</a:t>
+            </a:r>
+            <a:r>
+              <a:rPr kumimoji="0" lang="zh-CN" altLang="en-US" b="0" i="0" u="none" strike="noStrike" cap="none" spc="0" normalizeH="0" baseline="0" dirty="0" smtClean="0">
+                <a:ln>
+                  <a:noFill/>
+                </a:ln>
+                <a:solidFill>
+                  <a:srgbClr val="FFFFFF"/>
+                </a:solidFill>
+                <a:effectLst/>
+                <a:uFillTx/>
+                <a:latin typeface="微软雅黑" panose="020B0503020204020204" pitchFamily="34" charset="-122"/>
+                <a:ea typeface="微软雅黑" panose="020B0503020204020204" pitchFamily="34" charset="-122"/>
+                <a:sym typeface="Helvetica Light"/>
+              </a:rPr>
+              <a:t>间控制</a:t>
+            </a:r>
+            <a:endParaRPr kumimoji="0" lang="zh-CN" altLang="en-US" b="0" i="0" u="none" strike="noStrike" cap="none" spc="0" normalizeH="0" baseline="0" dirty="0">
+              <a:ln>
+                <a:noFill/>
+              </a:ln>
+              <a:solidFill>
+                <a:srgbClr val="FFFFFF"/>
+              </a:solidFill>
+              <a:effectLst/>
+              <a:uFillTx/>
+              <a:latin typeface="微软雅黑" panose="020B0503020204020204" pitchFamily="34" charset="-122"/>
+              <a:ea typeface="微软雅黑" panose="020B0503020204020204" pitchFamily="34" charset="-122"/>
+              <a:sym typeface="Helvetica Light"/>
+            </a:endParaRPr>
+          </a:p>
+        </p:txBody>
+      </p:sp>
+    </p:spTree>
+    <p:extLst>
+      <p:ext uri="{BB962C8B-B14F-4D97-AF65-F5344CB8AC3E}">
+        <p14:creationId xmlns:p14="http://schemas.microsoft.com/office/powerpoint/2010/main" val="1144264685"/>
       </p:ext>
     </p:extLst>
   </p:cSld>

--- a/Share/灵魂世界.pptx
+++ b/Share/灵魂世界.pptx
@@ -5,15 +5,13 @@
     <p:sldMasterId id="2147483648" r:id="rId1"/>
   </p:sldMasterIdLst>
   <p:notesMasterIdLst>
-    <p:notesMasterId r:id="rId8"/>
+    <p:notesMasterId r:id="rId6"/>
   </p:notesMasterIdLst>
   <p:sldIdLst>
     <p:sldId id="256" r:id="rId2"/>
     <p:sldId id="260" r:id="rId3"/>
     <p:sldId id="262" r:id="rId4"/>
-    <p:sldId id="263" r:id="rId5"/>
-    <p:sldId id="261" r:id="rId6"/>
-    <p:sldId id="264" r:id="rId7"/>
+    <p:sldId id="265" r:id="rId5"/>
   </p:sldIdLst>
   <p:sldSz cx="24384000" cy="13716000"/>
   <p:notesSz cx="6858000" cy="9144000"/>
@@ -3094,7 +3092,7 @@
         </p:blipFill>
         <p:spPr>
           <a:xfrm>
-            <a:off x="15033" y="-65844"/>
+            <a:off x="15033" y="-29268"/>
             <a:ext cx="24384000" cy="13711502"/>
           </a:xfrm>
           <a:prstGeom prst="rect">
@@ -3391,8 +3389,8 @@
         </p:nvSpPr>
         <p:spPr>
           <a:xfrm>
-            <a:off x="3877056" y="4001698"/>
-            <a:ext cx="18141696" cy="8220456"/>
+            <a:off x="3877056" y="4341663"/>
+            <a:ext cx="18141696" cy="7540526"/>
           </a:xfrm>
           <a:prstGeom prst="rect">
             <a:avLst/>
@@ -3536,18 +3534,67 @@
               </a:lnSpc>
             </a:pPr>
             <a:r>
+              <a:rPr lang="zh-CN" altLang="en-US" sz="4000" dirty="0" smtClean="0">
+                <a:latin typeface="微软雅黑" panose="020B0503020204020204" pitchFamily="34" charset="-122"/>
+                <a:ea typeface="微软雅黑" panose="020B0503020204020204" pitchFamily="34" charset="-122"/>
+              </a:rPr>
+              <a:t>主角可以使用</a:t>
+            </a:r>
+            <a:r>
               <a:rPr lang="zh-CN" altLang="en-US" sz="4000" dirty="0">
                 <a:latin typeface="微软雅黑" panose="020B0503020204020204" pitchFamily="34" charset="-122"/>
                 <a:ea typeface="微软雅黑" panose="020B0503020204020204" pitchFamily="34" charset="-122"/>
               </a:rPr>
-              <a:t>玩</a:t>
+              <a:t>道</a:t>
             </a:r>
             <a:r>
               <a:rPr lang="zh-CN" altLang="en-US" sz="4000" dirty="0" smtClean="0">
                 <a:latin typeface="微软雅黑" panose="020B0503020204020204" pitchFamily="34" charset="-122"/>
                 <a:ea typeface="微软雅黑" panose="020B0503020204020204" pitchFamily="34" charset="-122"/>
               </a:rPr>
-              <a:t>家扮演的主角可以穿越现实世界和灵魂世界（现实世界的人活在伪装下，灵魂世界的人展现真实的一面）</a:t>
+              <a:t>具进入</a:t>
+            </a:r>
+            <a:r>
+              <a:rPr lang="en-US" altLang="zh-CN" sz="4000" dirty="0" smtClean="0">
+                <a:latin typeface="微软雅黑" panose="020B0503020204020204" pitchFamily="34" charset="-122"/>
+                <a:ea typeface="微软雅黑" panose="020B0503020204020204" pitchFamily="34" charset="-122"/>
+              </a:rPr>
+              <a:t>NPC</a:t>
+            </a:r>
+            <a:r>
+              <a:rPr lang="zh-CN" altLang="en-US" sz="4000" dirty="0" smtClean="0">
+                <a:latin typeface="微软雅黑" panose="020B0503020204020204" pitchFamily="34" charset="-122"/>
+                <a:ea typeface="微软雅黑" panose="020B0503020204020204" pitchFamily="34" charset="-122"/>
+              </a:rPr>
+              <a:t>的内心世界，帮助</a:t>
+            </a:r>
+            <a:r>
+              <a:rPr lang="en-US" altLang="zh-CN" sz="4000" dirty="0" smtClean="0">
+                <a:latin typeface="微软雅黑" panose="020B0503020204020204" pitchFamily="34" charset="-122"/>
+                <a:ea typeface="微软雅黑" panose="020B0503020204020204" pitchFamily="34" charset="-122"/>
+              </a:rPr>
+              <a:t>NCP</a:t>
+            </a:r>
+            <a:r>
+              <a:rPr lang="zh-CN" altLang="en-US" sz="4000" dirty="0" smtClean="0">
+                <a:latin typeface="微软雅黑" panose="020B0503020204020204" pitchFamily="34" charset="-122"/>
+                <a:ea typeface="微软雅黑" panose="020B0503020204020204" pitchFamily="34" charset="-122"/>
+              </a:rPr>
+              <a:t>打败内心的恶魔，不同</a:t>
+            </a:r>
+            <a:r>
+              <a:rPr lang="en-US" altLang="zh-CN" sz="4000" dirty="0" smtClean="0">
+                <a:latin typeface="微软雅黑" panose="020B0503020204020204" pitchFamily="34" charset="-122"/>
+                <a:ea typeface="微软雅黑" panose="020B0503020204020204" pitchFamily="34" charset="-122"/>
+              </a:rPr>
+              <a:t>NPC</a:t>
+            </a:r>
+            <a:r>
+              <a:rPr lang="zh-CN" altLang="en-US" sz="4000" dirty="0" smtClean="0">
+                <a:latin typeface="微软雅黑" panose="020B0503020204020204" pitchFamily="34" charset="-122"/>
+                <a:ea typeface="微软雅黑" panose="020B0503020204020204" pitchFamily="34" charset="-122"/>
+              </a:rPr>
+              <a:t>内心世界差异非常大</a:t>
             </a:r>
             <a:endParaRPr lang="en-US" altLang="zh-CN" sz="4000" dirty="0" smtClean="0">
               <a:latin typeface="微软雅黑" panose="020B0503020204020204" pitchFamily="34" charset="-122"/>
@@ -3565,9 +3612,16 @@
                 <a:latin typeface="微软雅黑" panose="020B0503020204020204" pitchFamily="34" charset="-122"/>
                 <a:ea typeface="微软雅黑" panose="020B0503020204020204" pitchFamily="34" charset="-122"/>
               </a:rPr>
-              <a:t>核心玩法</a:t>
-            </a:r>
-            <a:endParaRPr lang="en-US" altLang="zh-CN" sz="4000" b="1" dirty="0" smtClean="0">
+              <a:t>游</a:t>
+            </a:r>
+            <a:r>
+              <a:rPr lang="zh-CN" altLang="en-US" sz="4000" b="1" dirty="0">
+                <a:latin typeface="微软雅黑" panose="020B0503020204020204" pitchFamily="34" charset="-122"/>
+                <a:ea typeface="微软雅黑" panose="020B0503020204020204" pitchFamily="34" charset="-122"/>
+              </a:rPr>
+              <a:t>戏特色</a:t>
+            </a:r>
+            <a:endParaRPr lang="en-US" altLang="zh-CN" sz="4000" b="1" dirty="0">
               <a:latin typeface="微软雅黑" panose="020B0503020204020204" pitchFamily="34" charset="-122"/>
               <a:ea typeface="微软雅黑" panose="020B0503020204020204" pitchFamily="34" charset="-122"/>
             </a:endParaRPr>
@@ -3579,75 +3633,11 @@
               </a:lnSpc>
             </a:pPr>
             <a:r>
-              <a:rPr lang="zh-CN" altLang="en-US" sz="4000" dirty="0">
-                <a:latin typeface="微软雅黑" panose="020B0503020204020204" pitchFamily="34" charset="-122"/>
-                <a:ea typeface="微软雅黑" panose="020B0503020204020204" pitchFamily="34" charset="-122"/>
-              </a:rPr>
-              <a:t>待</a:t>
-            </a:r>
-            <a:r>
               <a:rPr lang="zh-CN" altLang="en-US" sz="4000" dirty="0" smtClean="0">
                 <a:latin typeface="微软雅黑" panose="020B0503020204020204" pitchFamily="34" charset="-122"/>
                 <a:ea typeface="微软雅黑" panose="020B0503020204020204" pitchFamily="34" charset="-122"/>
               </a:rPr>
-              <a:t>定</a:t>
-            </a:r>
-            <a:endParaRPr lang="en-US" altLang="zh-CN" sz="4000" dirty="0" smtClean="0">
-              <a:latin typeface="微软雅黑" panose="020B0503020204020204" pitchFamily="34" charset="-122"/>
-              <a:ea typeface="微软雅黑" panose="020B0503020204020204" pitchFamily="34" charset="-122"/>
-            </a:endParaRPr>
-          </a:p>
-          <a:p>
-            <a:pPr algn="l">
-              <a:lnSpc>
-                <a:spcPts val="5800"/>
-              </a:lnSpc>
-            </a:pPr>
-            <a:r>
-              <a:rPr lang="zh-CN" altLang="en-US" sz="4000" b="1" dirty="0">
-                <a:latin typeface="微软雅黑" panose="020B0503020204020204" pitchFamily="34" charset="-122"/>
-                <a:ea typeface="微软雅黑" panose="020B0503020204020204" pitchFamily="34" charset="-122"/>
-              </a:rPr>
-              <a:t>游戏特色</a:t>
-            </a:r>
-            <a:endParaRPr lang="en-US" altLang="zh-CN" sz="4000" b="1" dirty="0">
-              <a:latin typeface="微软雅黑" panose="020B0503020204020204" pitchFamily="34" charset="-122"/>
-              <a:ea typeface="微软雅黑" panose="020B0503020204020204" pitchFamily="34" charset="-122"/>
-            </a:endParaRPr>
-          </a:p>
-          <a:p>
-            <a:pPr algn="l">
-              <a:lnSpc>
-                <a:spcPts val="5800"/>
-              </a:lnSpc>
-            </a:pPr>
-            <a:r>
-              <a:rPr lang="zh-CN" altLang="en-US" sz="4000" dirty="0">
-                <a:latin typeface="微软雅黑" panose="020B0503020204020204" pitchFamily="34" charset="-122"/>
-                <a:ea typeface="微软雅黑" panose="020B0503020204020204" pitchFamily="34" charset="-122"/>
-              </a:rPr>
-              <a:t>玩家可以在不</a:t>
-            </a:r>
-            <a:r>
-              <a:rPr lang="zh-CN" altLang="en-US" sz="4000" dirty="0" smtClean="0">
-                <a:latin typeface="微软雅黑" panose="020B0503020204020204" pitchFamily="34" charset="-122"/>
-                <a:ea typeface="微软雅黑" panose="020B0503020204020204" pitchFamily="34" charset="-122"/>
-              </a:rPr>
-              <a:t>同时</a:t>
-            </a:r>
-            <a:r>
-              <a:rPr lang="zh-CN" altLang="en-US" sz="4000" dirty="0">
-                <a:latin typeface="微软雅黑" panose="020B0503020204020204" pitchFamily="34" charset="-122"/>
-                <a:ea typeface="微软雅黑" panose="020B0503020204020204" pitchFamily="34" charset="-122"/>
-              </a:rPr>
-              <a:t>间段做不同的</a:t>
-            </a:r>
-            <a:r>
-              <a:rPr lang="zh-CN" altLang="en-US" sz="4000" dirty="0" smtClean="0">
-                <a:latin typeface="微软雅黑" panose="020B0503020204020204" pitchFamily="34" charset="-122"/>
-                <a:ea typeface="微软雅黑" panose="020B0503020204020204" pitchFamily="34" charset="-122"/>
-              </a:rPr>
-              <a:t>事</a:t>
+              <a:t>主角在不同的内心世界，体验不同的世界，不同的故事，有些故事有一些潜在的联系</a:t>
             </a:r>
             <a:endParaRPr lang="en-US" altLang="zh-CN" sz="4000" dirty="0">
               <a:latin typeface="微软雅黑" panose="020B0503020204020204" pitchFamily="34" charset="-122"/>
@@ -3958,8 +3948,8 @@
         </p:nvSpPr>
         <p:spPr>
           <a:xfrm>
-            <a:off x="2414016" y="4909707"/>
-            <a:ext cx="20738592" cy="6258123"/>
+            <a:off x="1956816" y="3816400"/>
+            <a:ext cx="20738592" cy="8104783"/>
           </a:xfrm>
           <a:prstGeom prst="rect">
             <a:avLst/>
@@ -3996,7 +3986,63 @@
                 <a:latin typeface="微软雅黑" panose="020B0503020204020204" pitchFamily="34" charset="-122"/>
                 <a:ea typeface="微软雅黑" panose="020B0503020204020204" pitchFamily="34" charset="-122"/>
               </a:rPr>
-              <a:t>玩家扮演一个富有且成功的人，周围人都对他都很好，每一个人都和他打招呼，只有一个小女孩不理他。当玩家回去的路上，遇到了意外，落入水中，玩家不断求救，但是之前那些对他很好的人都不救他，反而恶语相向，只有那个小女孩想要救他。最后玩家濒死之际，天使降临，将玩家带入到了灵魂世界，在这个里，每个人都只能表现出内心真实的一面，玩家了解到情况后很震惊，但是天使告诉他，这里的人开始都是善良的，但是经历一些事后，心里有了邪念，就会被恶魔控制，所以玩家要想复活，就必须拯救所有人的灵魂。在灵魂世界，也只有小女孩是纯洁的，玩家白天在现实世界，晚上在灵魂世界，在小女孩的帮助下，玩家一一解救他们，现实世界和灵魂世界的物品是相通的。最后，恶魔抓走了小女孩的灵魂，玩家在所有人的帮助下，玩家选择牺牲自己能拯救小女孩，选择复活自己则小女孩死亡，小女孩死亡后成为了天使。</a:t>
+              <a:t>主角被一个声音叫醒，周围一片黑暗，得知自己是在自己的内心世界，而叫醒他的声音是一个天使，天使告诉主角她一直以来守护着这个村庄，但是有一天，这个村庄的人都被恶魔入侵，陷入了沉睡，包括主角自己。而天使被恶魔封印在了一个废弃的深山中。天使给了主角能力，可以通过道具进入到每个人的内心世界，帮助村庄里的人们摆脱恶魔，最后到废弃的深山中解救天使。</a:t>
+            </a:r>
+            <a:endParaRPr lang="en-US" altLang="zh-CN" sz="4000" dirty="0" smtClean="0">
+              <a:latin typeface="微软雅黑" panose="020B0503020204020204" pitchFamily="34" charset="-122"/>
+              <a:ea typeface="微软雅黑" panose="020B0503020204020204" pitchFamily="34" charset="-122"/>
+            </a:endParaRPr>
+          </a:p>
+          <a:p>
+            <a:pPr algn="l"/>
+            <a:r>
+              <a:rPr lang="en-US" sz="4000" dirty="0">
+                <a:latin typeface="微软雅黑" panose="020B0503020204020204" pitchFamily="34" charset="-122"/>
+                <a:ea typeface="微软雅黑" panose="020B0503020204020204" pitchFamily="34" charset="-122"/>
+              </a:rPr>
+              <a:t>	</a:t>
+            </a:r>
+            <a:r>
+              <a:rPr lang="zh-CN" altLang="en-US" sz="4000" dirty="0" smtClean="0">
+                <a:latin typeface="微软雅黑" panose="020B0503020204020204" pitchFamily="34" charset="-122"/>
+                <a:ea typeface="微软雅黑" panose="020B0503020204020204" pitchFamily="34" charset="-122"/>
+              </a:rPr>
+              <a:t>主角从内心世界醒了过来，发现村庄里的人们都陷入了沉睡，但是还有一个小女孩没有沉睡，小女孩会告诉主角关于村庄里的人的信息，主角和小女孩一起找到每个人对应的道具，然后进入他们的内心深处（只有主角能进去），帮助他们摆脱恶魔。</a:t>
+            </a:r>
+            <a:endParaRPr lang="en-US" altLang="zh-CN" sz="4000" dirty="0" smtClean="0">
+              <a:latin typeface="微软雅黑" panose="020B0503020204020204" pitchFamily="34" charset="-122"/>
+              <a:ea typeface="微软雅黑" panose="020B0503020204020204" pitchFamily="34" charset="-122"/>
+            </a:endParaRPr>
+          </a:p>
+          <a:p>
+            <a:pPr algn="l"/>
+            <a:r>
+              <a:rPr lang="en-US" sz="4000" dirty="0">
+                <a:latin typeface="微软雅黑" panose="020B0503020204020204" pitchFamily="34" charset="-122"/>
+                <a:ea typeface="微软雅黑" panose="020B0503020204020204" pitchFamily="34" charset="-122"/>
+              </a:rPr>
+              <a:t>	</a:t>
+            </a:r>
+            <a:r>
+              <a:rPr lang="zh-CN" altLang="en-US" sz="4000" dirty="0" smtClean="0">
+                <a:latin typeface="微软雅黑" panose="020B0503020204020204" pitchFamily="34" charset="-122"/>
+                <a:ea typeface="微软雅黑" panose="020B0503020204020204" pitchFamily="34" charset="-122"/>
+              </a:rPr>
+              <a:t>不同人的内心世界不一样（主要是玩这个），主角帮助所有人摆脱了恶魔，最后来到废弃的深山中，解救了天使，没想到它不是</a:t>
+            </a:r>
+            <a:r>
+              <a:rPr lang="zh-CN" altLang="en-US" sz="4000" dirty="0">
+                <a:latin typeface="微软雅黑" panose="020B0503020204020204" pitchFamily="34" charset="-122"/>
+                <a:ea typeface="微软雅黑" panose="020B0503020204020204" pitchFamily="34" charset="-122"/>
+              </a:rPr>
+              <a:t>天</a:t>
+            </a:r>
+            <a:r>
+              <a:rPr lang="zh-CN" altLang="en-US" sz="4000" dirty="0" smtClean="0">
+                <a:latin typeface="微软雅黑" panose="020B0503020204020204" pitchFamily="34" charset="-122"/>
+                <a:ea typeface="微软雅黑" panose="020B0503020204020204" pitchFamily="34" charset="-122"/>
+              </a:rPr>
+              <a:t>使，而是恶魔。主角这才明白自己被利用了，而且放出了恶魔。恶魔抓走了小女孩，主角和其他村民一起解救这个小女孩，但是他们都被恶魔抓起来了，主角来到了小女孩的内心世界，最后小女孩选择牺牲了自己，帮助主角打到了恶魔，而小女孩成为了真正的天使，守护着这个村庄。</a:t>
             </a:r>
             <a:endParaRPr sz="4000" dirty="0">
               <a:latin typeface="微软雅黑" panose="020B0503020204020204" pitchFamily="34" charset="-122"/>
@@ -4085,23 +4131,7 @@
                 <a:ea typeface="微软雅黑" panose="020B0503020204020204" pitchFamily="34" charset="-122"/>
                 <a:sym typeface="Helvetica Light"/>
               </a:rPr>
-              <a:t>游戏剧情</a:t>
-            </a:r>
-            <a:r>
-              <a:rPr kumimoji="0" lang="en-US" altLang="zh-CN" b="0" i="0" u="none" strike="noStrike" cap="none" spc="0" normalizeH="0" baseline="0" dirty="0" smtClean="0">
-                <a:ln>
-                  <a:noFill/>
-                </a:ln>
-                <a:solidFill>
-                  <a:srgbClr val="FFFFFF"/>
-                </a:solidFill>
-                <a:effectLst/>
-                <a:uFillTx/>
-                <a:latin typeface="微软雅黑" panose="020B0503020204020204" pitchFamily="34" charset="-122"/>
-                <a:ea typeface="微软雅黑" panose="020B0503020204020204" pitchFamily="34" charset="-122"/>
-                <a:sym typeface="Helvetica Light"/>
-              </a:rPr>
-              <a:t>1</a:t>
+              <a:t>故事简介</a:t>
             </a:r>
             <a:endParaRPr kumimoji="0" lang="zh-CN" altLang="en-US" b="0" i="0" u="none" strike="noStrike" cap="none" spc="0" normalizeH="0" baseline="0" dirty="0">
               <a:ln>
@@ -4317,89 +4347,6 @@
       </p:sp>
       <p:sp>
         <p:nvSpPr>
-          <p:cNvPr id="132" name="Shape 132"/>
-          <p:cNvSpPr/>
-          <p:nvPr/>
-        </p:nvSpPr>
-        <p:spPr>
-          <a:xfrm>
-            <a:off x="2414016" y="7371920"/>
-            <a:ext cx="20738592" cy="1333698"/>
-          </a:xfrm>
-          <a:prstGeom prst="rect">
-            <a:avLst/>
-          </a:prstGeom>
-          <a:ln w="12700">
-            <a:miter lim="400000"/>
-          </a:ln>
-          <a:extLst>
-            <a:ext uri="{C572A759-6A51-4108-AA02-DFA0A04FC94B}">
-              <ma14:wrappingTextBoxFlag xmlns="" xmlns:ma14="http://schemas.microsoft.com/office/mac/drawingml/2011/main" val="1"/>
-            </a:ext>
-          </a:extLst>
-        </p:spPr>
-        <p:txBody>
-          <a:bodyPr wrap="square" lIns="50800" tIns="50800" rIns="50800" bIns="50800" anchor="ctr">
-            <a:spAutoFit/>
-          </a:bodyPr>
-          <a:lstStyle>
-            <a:lvl1pPr>
-              <a:defRPr sz="3000"/>
-            </a:lvl1pPr>
-          </a:lstStyle>
-          <a:p>
-            <a:pPr algn="l"/>
-            <a:r>
-              <a:rPr lang="zh-CN" altLang="en-US" sz="4000" dirty="0">
-                <a:latin typeface="微软雅黑" panose="020B0503020204020204" pitchFamily="34" charset="-122"/>
-                <a:ea typeface="微软雅黑" panose="020B0503020204020204" pitchFamily="34" charset="-122"/>
-              </a:rPr>
-              <a:t>设</a:t>
-            </a:r>
-            <a:r>
-              <a:rPr lang="zh-CN" altLang="en-US" sz="4000" dirty="0" smtClean="0">
-                <a:latin typeface="微软雅黑" panose="020B0503020204020204" pitchFamily="34" charset="-122"/>
-                <a:ea typeface="微软雅黑" panose="020B0503020204020204" pitchFamily="34" charset="-122"/>
-              </a:rPr>
-              <a:t>定修改：玩家不能进入另一个世界，而是天使给了玩家一个道具，玩家可以使用这个道具，然后 进入到</a:t>
-            </a:r>
-            <a:r>
-              <a:rPr lang="en-US" altLang="zh-CN" sz="4000" dirty="0" smtClean="0">
-                <a:latin typeface="微软雅黑" panose="020B0503020204020204" pitchFamily="34" charset="-122"/>
-                <a:ea typeface="微软雅黑" panose="020B0503020204020204" pitchFamily="34" charset="-122"/>
-              </a:rPr>
-              <a:t>NPC</a:t>
-            </a:r>
-            <a:r>
-              <a:rPr lang="zh-CN" altLang="en-US" sz="4000" dirty="0" smtClean="0">
-                <a:latin typeface="微软雅黑" panose="020B0503020204020204" pitchFamily="34" charset="-122"/>
-                <a:ea typeface="微软雅黑" panose="020B0503020204020204" pitchFamily="34" charset="-122"/>
-              </a:rPr>
-              <a:t>被蛊惑的那一时刻，帮助</a:t>
-            </a:r>
-            <a:r>
-              <a:rPr lang="en-US" altLang="zh-CN" sz="4000" dirty="0" smtClean="0">
-                <a:latin typeface="微软雅黑" panose="020B0503020204020204" pitchFamily="34" charset="-122"/>
-                <a:ea typeface="微软雅黑" panose="020B0503020204020204" pitchFamily="34" charset="-122"/>
-              </a:rPr>
-              <a:t>NPC</a:t>
-            </a:r>
-            <a:r>
-              <a:rPr lang="zh-CN" altLang="en-US" sz="4000" dirty="0" smtClean="0">
-                <a:latin typeface="微软雅黑" panose="020B0503020204020204" pitchFamily="34" charset="-122"/>
-                <a:ea typeface="微软雅黑" panose="020B0503020204020204" pitchFamily="34" charset="-122"/>
-              </a:rPr>
-              <a:t>脱离恶魔的蛊惑</a:t>
-            </a:r>
-            <a:endParaRPr sz="4000" dirty="0">
-              <a:latin typeface="微软雅黑" panose="020B0503020204020204" pitchFamily="34" charset="-122"/>
-              <a:ea typeface="微软雅黑" panose="020B0503020204020204" pitchFamily="34" charset="-122"/>
-            </a:endParaRPr>
-          </a:p>
-        </p:txBody>
-      </p:sp>
-      <p:sp>
-        <p:nvSpPr>
           <p:cNvPr id="3" name="Rectangle 2"/>
           <p:cNvSpPr/>
           <p:nvPr/>
@@ -4465,36 +4412,24 @@
               <a:tabLst/>
             </a:pPr>
             <a:r>
-              <a:rPr kumimoji="0" lang="zh-CN" altLang="en-US" b="0" i="0" u="none" strike="noStrike" cap="none" spc="0" normalizeH="0" baseline="0" dirty="0" smtClean="0">
-                <a:ln>
-                  <a:noFill/>
-                </a:ln>
+              <a:rPr lang="zh-CN" altLang="en-US" dirty="0">
                 <a:solidFill>
                   <a:srgbClr val="FFFFFF"/>
                 </a:solidFill>
-                <a:effectLst/>
-                <a:uFillTx/>
                 <a:latin typeface="微软雅黑" panose="020B0503020204020204" pitchFamily="34" charset="-122"/>
                 <a:ea typeface="微软雅黑" panose="020B0503020204020204" pitchFamily="34" charset="-122"/>
-                <a:sym typeface="Helvetica Light"/>
-              </a:rPr>
-              <a:t>游戏剧情</a:t>
-            </a:r>
-            <a:r>
-              <a:rPr kumimoji="0" lang="en-US" altLang="zh-CN" b="0" i="0" u="none" strike="noStrike" cap="none" spc="0" normalizeH="0" baseline="0" dirty="0" smtClean="0">
-                <a:ln>
-                  <a:noFill/>
-                </a:ln>
+              </a:rPr>
+              <a:t>一</a:t>
+            </a:r>
+            <a:r>
+              <a:rPr lang="zh-CN" altLang="en-US" dirty="0" smtClean="0">
                 <a:solidFill>
                   <a:srgbClr val="FFFFFF"/>
                 </a:solidFill>
-                <a:effectLst/>
-                <a:uFillTx/>
                 <a:latin typeface="微软雅黑" panose="020B0503020204020204" pitchFamily="34" charset="-122"/>
                 <a:ea typeface="微软雅黑" panose="020B0503020204020204" pitchFamily="34" charset="-122"/>
-                <a:sym typeface="Helvetica Light"/>
-              </a:rPr>
-              <a:t>2</a:t>
+              </a:rPr>
+              <a:t>些设定</a:t>
             </a:r>
             <a:endParaRPr kumimoji="0" lang="zh-CN" altLang="en-US" b="0" i="0" u="none" strike="noStrike" cap="none" spc="0" normalizeH="0" baseline="0" dirty="0">
               <a:ln>
@@ -4512,310 +4447,16 @@
           </a:p>
         </p:txBody>
       </p:sp>
-    </p:spTree>
-    <p:extLst>
-      <p:ext uri="{BB962C8B-B14F-4D97-AF65-F5344CB8AC3E}">
-        <p14:creationId xmlns:p14="http://schemas.microsoft.com/office/powerpoint/2010/main" val="2207693672"/>
-      </p:ext>
-    </p:extLst>
-  </p:cSld>
-  <p:clrMapOvr>
-    <a:masterClrMapping/>
-  </p:clrMapOvr>
-  <p:transition spd="slow"/>
-  <p:timing>
-    <p:tnLst>
-      <p:par>
-        <p:cTn id="1" dur="indefinite" restart="never" nodeType="tmRoot"/>
-      </p:par>
-    </p:tnLst>
-  </p:timing>
-</p:sld>
-</file>
-
-<file path=ppt/slides/slide5.xml><?xml version="1.0" encoding="utf-8"?>
-<p:sld xmlns:a="http://schemas.openxmlformats.org/drawingml/2006/main" xmlns:r="http://schemas.openxmlformats.org/officeDocument/2006/relationships" xmlns:p="http://schemas.openxmlformats.org/presentationml/2006/main">
-  <p:cSld>
-    <p:spTree>
-      <p:nvGrpSpPr>
-        <p:cNvPr id="1" name=""/>
-        <p:cNvGrpSpPr/>
-        <p:nvPr/>
-      </p:nvGrpSpPr>
-      <p:grpSpPr>
-        <a:xfrm>
-          <a:off x="0" y="0"/>
-          <a:ext cx="0" cy="0"/>
-          <a:chOff x="0" y="0"/>
-          <a:chExt cx="0" cy="0"/>
-        </a:xfrm>
-      </p:grpSpPr>
       <p:sp>
         <p:nvSpPr>
-          <p:cNvPr id="126" name="Shape 126"/>
+          <p:cNvPr id="9" name="Shape 145"/>
           <p:cNvSpPr/>
           <p:nvPr/>
         </p:nvSpPr>
         <p:spPr>
           <a:xfrm>
-            <a:off x="-31818" y="-153408"/>
-            <a:ext cx="24447634" cy="2786882"/>
-          </a:xfrm>
-          <a:prstGeom prst="rect">
-            <a:avLst/>
-          </a:prstGeom>
-          <a:solidFill>
-            <a:srgbClr val="00AE66"/>
-          </a:solidFill>
-          <a:ln w="12700">
-            <a:miter lim="400000"/>
-          </a:ln>
-        </p:spPr>
-        <p:txBody>
-          <a:bodyPr lIns="50800" tIns="50800" rIns="50800" bIns="50800" anchor="ctr"/>
-          <a:lstStyle/>
-          <a:p>
-            <a:pPr>
-              <a:defRPr sz="3200">
-                <a:solidFill>
-                  <a:srgbClr val="FFFFFF"/>
-                </a:solidFill>
-              </a:defRPr>
-            </a:pPr>
-            <a:endParaRPr/>
-          </a:p>
-        </p:txBody>
-      </p:sp>
-      <p:sp>
-        <p:nvSpPr>
-          <p:cNvPr id="128" name="Shape 128"/>
-          <p:cNvSpPr/>
-          <p:nvPr/>
-        </p:nvSpPr>
-        <p:spPr>
-          <a:xfrm>
-            <a:off x="-71254" y="-122759"/>
-            <a:ext cx="24526507" cy="2756232"/>
-          </a:xfrm>
-          <a:prstGeom prst="rect">
-            <a:avLst/>
-          </a:prstGeom>
-          <a:solidFill>
-            <a:srgbClr val="000000">
-              <a:alpha val="70000"/>
-            </a:srgbClr>
-          </a:solidFill>
-          <a:ln w="12700">
-            <a:miter lim="400000"/>
-          </a:ln>
-          <a:effectLst>
-            <a:outerShdw blurRad="38100" dist="25400" dir="5400000" rotWithShape="0">
-              <a:srgbClr val="000000">
-                <a:alpha val="50000"/>
-              </a:srgbClr>
-            </a:outerShdw>
-          </a:effectLst>
-        </p:spPr>
-        <p:txBody>
-          <a:bodyPr lIns="50800" tIns="50800" rIns="50800" bIns="50800" anchor="ctr"/>
-          <a:lstStyle/>
-          <a:p>
-            <a:pPr>
-              <a:defRPr sz="3200">
-                <a:solidFill>
-                  <a:srgbClr val="FFFFFF"/>
-                </a:solidFill>
-              </a:defRPr>
-            </a:pPr>
-            <a:endParaRPr/>
-          </a:p>
-        </p:txBody>
-      </p:sp>
-      <p:pic>
-        <p:nvPicPr>
-          <p:cNvPr id="129" name="pasted-image.pdf"/>
-          <p:cNvPicPr>
-            <a:picLocks noChangeAspect="1"/>
-          </p:cNvPicPr>
-          <p:nvPr/>
-        </p:nvPicPr>
-        <p:blipFill>
-          <a:blip r:embed="rId2">
-            <a:extLst/>
-          </a:blip>
-          <a:stretch>
-            <a:fillRect/>
-          </a:stretch>
-        </p:blipFill>
-        <p:spPr>
-          <a:xfrm>
-            <a:off x="10238213" y="-109728"/>
-            <a:ext cx="3800445" cy="1093470"/>
-          </a:xfrm>
-          <a:prstGeom prst="rect">
-            <a:avLst/>
-          </a:prstGeom>
-          <a:ln w="12700">
-            <a:miter lim="400000"/>
-          </a:ln>
-        </p:spPr>
-      </p:pic>
-      <p:sp>
-        <p:nvSpPr>
-          <p:cNvPr id="130" name="Shape 130"/>
-          <p:cNvSpPr/>
-          <p:nvPr/>
-        </p:nvSpPr>
-        <p:spPr>
-          <a:xfrm>
-            <a:off x="10327051" y="1170225"/>
-            <a:ext cx="3693319" cy="1179810"/>
-          </a:xfrm>
-          <a:prstGeom prst="rect">
-            <a:avLst/>
-          </a:prstGeom>
-          <a:ln w="12700">
-            <a:miter lim="400000"/>
-          </a:ln>
-          <a:extLst>
-            <a:ext uri="{C572A759-6A51-4108-AA02-DFA0A04FC94B}">
-              <ma14:wrappingTextBoxFlag xmlns="" xmlns:ma14="http://schemas.microsoft.com/office/mac/drawingml/2011/main" val="1"/>
-            </a:ext>
-          </a:extLst>
-        </p:spPr>
-        <p:txBody>
-          <a:bodyPr wrap="none" lIns="50800" tIns="50800" rIns="50800" bIns="50800" anchor="ctr">
-            <a:spAutoFit/>
-          </a:bodyPr>
-          <a:lstStyle/>
-          <a:p>
-            <a:pPr>
-              <a:defRPr sz="7000" b="1">
-                <a:solidFill>
-                  <a:srgbClr val="FFFFFF"/>
-                </a:solidFill>
-                <a:latin typeface="Helvetica"/>
-                <a:ea typeface="Helvetica"/>
-                <a:cs typeface="Helvetica"/>
-                <a:sym typeface="Helvetica"/>
-              </a:defRPr>
-            </a:pPr>
-            <a:r>
-              <a:rPr lang="zh-CN" altLang="en-US" dirty="0" smtClean="0"/>
-              <a:t>游戏系统</a:t>
-            </a:r>
-            <a:endParaRPr dirty="0" smtClean="0"/>
-          </a:p>
-        </p:txBody>
-      </p:sp>
-      <p:sp>
-        <p:nvSpPr>
-          <p:cNvPr id="3" name="Rectangle 2"/>
-          <p:cNvSpPr/>
-          <p:nvPr/>
-        </p:nvSpPr>
-        <p:spPr>
-          <a:xfrm>
-            <a:off x="-50106" y="2599045"/>
-            <a:ext cx="3521467" cy="872034"/>
-          </a:xfrm>
-          <a:prstGeom prst="rect">
-            <a:avLst/>
-          </a:prstGeom>
-          <a:solidFill>
-            <a:srgbClr val="00AF66"/>
-          </a:solidFill>
-          <a:ln w="12700" cap="flat">
-            <a:solidFill>
-              <a:schemeClr val="tx1"/>
-            </a:solidFill>
-            <a:miter lim="400000"/>
-          </a:ln>
-          <a:effectLst>
-            <a:outerShdw blurRad="38100" dist="25400" dir="5400000" rotWithShape="0">
-              <a:srgbClr val="000000">
-                <a:alpha val="50000"/>
-              </a:srgbClr>
-            </a:outerShdw>
-          </a:effectLst>
-          <a:sp3d/>
-        </p:spPr>
-        <p:style>
-          <a:lnRef idx="0">
-            <a:scrgbClr r="0" g="0" b="0"/>
-          </a:lnRef>
-          <a:fillRef idx="0">
-            <a:scrgbClr r="0" g="0" b="0"/>
-          </a:fillRef>
-          <a:effectRef idx="0">
-            <a:scrgbClr r="0" g="0" b="0"/>
-          </a:effectRef>
-          <a:fontRef idx="none"/>
-        </p:style>
-        <p:txBody>
-          <a:bodyPr rot="0" spcFirstLastPara="1" vertOverflow="overflow" horzOverflow="overflow" vert="horz" wrap="square" lIns="50800" tIns="50800" rIns="50800" bIns="50800" numCol="1" spcCol="38100" rtlCol="0" anchor="ctr">
-            <a:spAutoFit/>
-          </a:bodyPr>
-          <a:lstStyle/>
-          <a:p>
-            <a:pPr marL="0" marR="0" indent="0" algn="ctr" defTabSz="825500" rtl="0" fontAlgn="auto" latinLnBrk="0" hangingPunct="0">
-              <a:lnSpc>
-                <a:spcPct val="100000"/>
-              </a:lnSpc>
-              <a:spcBef>
-                <a:spcPts val="0"/>
-              </a:spcBef>
-              <a:spcAft>
-                <a:spcPts val="0"/>
-              </a:spcAft>
-              <a:buClrTx/>
-              <a:buSzTx/>
-              <a:buFontTx/>
-              <a:buNone/>
-              <a:tabLst/>
-            </a:pPr>
-            <a:r>
-              <a:rPr kumimoji="0" lang="zh-CN" altLang="en-US" b="0" i="0" u="none" strike="noStrike" cap="none" spc="0" normalizeH="0" baseline="0" dirty="0" smtClean="0">
-                <a:ln>
-                  <a:noFill/>
-                </a:ln>
-                <a:solidFill>
-                  <a:srgbClr val="FFFFFF"/>
-                </a:solidFill>
-                <a:effectLst/>
-                <a:uFillTx/>
-                <a:latin typeface="微软雅黑" panose="020B0503020204020204" pitchFamily="34" charset="-122"/>
-                <a:ea typeface="微软雅黑" panose="020B0503020204020204" pitchFamily="34" charset="-122"/>
-                <a:sym typeface="Helvetica Light"/>
-              </a:rPr>
-              <a:t>时间系统</a:t>
-            </a:r>
-            <a:endParaRPr kumimoji="0" lang="zh-CN" altLang="en-US" b="0" i="0" u="none" strike="noStrike" cap="none" spc="0" normalizeH="0" baseline="0" dirty="0">
-              <a:ln>
-                <a:noFill/>
-              </a:ln>
-              <a:solidFill>
-                <a:srgbClr val="FFFFFF"/>
-              </a:solidFill>
-              <a:effectLst/>
-              <a:uFillTx/>
-              <a:latin typeface="微软雅黑" panose="020B0503020204020204" pitchFamily="34" charset="-122"/>
-              <a:ea typeface="微软雅黑" panose="020B0503020204020204" pitchFamily="34" charset="-122"/>
-              <a:sym typeface="Helvetica Light"/>
-            </a:endParaRPr>
-          </a:p>
-        </p:txBody>
-      </p:sp>
-      <p:sp>
-        <p:nvSpPr>
-          <p:cNvPr id="8" name="Shape 145"/>
-          <p:cNvSpPr/>
-          <p:nvPr/>
-        </p:nvSpPr>
-        <p:spPr>
-          <a:xfrm>
-            <a:off x="7744502" y="7495549"/>
-            <a:ext cx="9848850" cy="718145"/>
+            <a:off x="4829806" y="4697485"/>
+            <a:ext cx="2154436" cy="718145"/>
           </a:xfrm>
           <a:prstGeom prst="rect">
             <a:avLst/>
@@ -4849,160 +4490,39 @@
           <a:p>
             <a:pPr algn="l"/>
             <a:r>
+              <a:rPr lang="zh-CN" altLang="en-US" sz="4000" b="0" dirty="0">
+                <a:solidFill>
+                  <a:schemeClr val="bg1"/>
+                </a:solidFill>
+              </a:rPr>
+              <a:t>现实</a:t>
+            </a:r>
+            <a:r>
               <a:rPr lang="zh-CN" altLang="en-US" sz="4000" b="0" dirty="0" smtClean="0">
                 <a:solidFill>
-                  <a:schemeClr val="tx1"/>
+                  <a:schemeClr val="bg1"/>
                 </a:solidFill>
               </a:rPr>
-              <a:t>白天玩家在现实世界，晚上玩家在灵魂世界</a:t>
+              <a:t>世界</a:t>
             </a:r>
             <a:endParaRPr lang="en-US" altLang="zh-CN" sz="4000" b="0" dirty="0" smtClean="0">
               <a:solidFill>
-                <a:schemeClr val="tx1"/>
+                <a:schemeClr val="bg1"/>
               </a:solidFill>
             </a:endParaRPr>
           </a:p>
         </p:txBody>
       </p:sp>
-    </p:spTree>
-    <p:extLst>
-      <p:ext uri="{BB962C8B-B14F-4D97-AF65-F5344CB8AC3E}">
-        <p14:creationId xmlns:p14="http://schemas.microsoft.com/office/powerpoint/2010/main" val="3544871912"/>
-      </p:ext>
-    </p:extLst>
-  </p:cSld>
-  <p:clrMapOvr>
-    <a:masterClrMapping/>
-  </p:clrMapOvr>
-  <p:transition spd="slow"/>
-  <p:timing>
-    <p:tnLst>
-      <p:par>
-        <p:cTn id="1" dur="indefinite" restart="never" nodeType="tmRoot"/>
-      </p:par>
-    </p:tnLst>
-  </p:timing>
-</p:sld>
-</file>
-
-<file path=ppt/slides/slide6.xml><?xml version="1.0" encoding="utf-8"?>
-<p:sld xmlns:a="http://schemas.openxmlformats.org/drawingml/2006/main" xmlns:r="http://schemas.openxmlformats.org/officeDocument/2006/relationships" xmlns:p="http://schemas.openxmlformats.org/presentationml/2006/main">
-  <p:cSld>
-    <p:spTree>
-      <p:nvGrpSpPr>
-        <p:cNvPr id="1" name=""/>
-        <p:cNvGrpSpPr/>
-        <p:nvPr/>
-      </p:nvGrpSpPr>
-      <p:grpSpPr>
-        <a:xfrm>
-          <a:off x="0" y="0"/>
-          <a:ext cx="0" cy="0"/>
-          <a:chOff x="0" y="0"/>
-          <a:chExt cx="0" cy="0"/>
-        </a:xfrm>
-      </p:grpSpPr>
       <p:sp>
         <p:nvSpPr>
-          <p:cNvPr id="126" name="Shape 126"/>
+          <p:cNvPr id="10" name="Shape 145"/>
           <p:cNvSpPr/>
           <p:nvPr/>
         </p:nvSpPr>
         <p:spPr>
           <a:xfrm>
-            <a:off x="-31818" y="-153408"/>
-            <a:ext cx="24447634" cy="2786882"/>
-          </a:xfrm>
-          <a:prstGeom prst="rect">
-            <a:avLst/>
-          </a:prstGeom>
-          <a:solidFill>
-            <a:srgbClr val="00AE66"/>
-          </a:solidFill>
-          <a:ln w="12700">
-            <a:miter lim="400000"/>
-          </a:ln>
-        </p:spPr>
-        <p:txBody>
-          <a:bodyPr lIns="50800" tIns="50800" rIns="50800" bIns="50800" anchor="ctr"/>
-          <a:lstStyle/>
-          <a:p>
-            <a:pPr>
-              <a:defRPr sz="3200">
-                <a:solidFill>
-                  <a:srgbClr val="FFFFFF"/>
-                </a:solidFill>
-              </a:defRPr>
-            </a:pPr>
-            <a:endParaRPr/>
-          </a:p>
-        </p:txBody>
-      </p:sp>
-      <p:sp>
-        <p:nvSpPr>
-          <p:cNvPr id="128" name="Shape 128"/>
-          <p:cNvSpPr/>
-          <p:nvPr/>
-        </p:nvSpPr>
-        <p:spPr>
-          <a:xfrm>
-            <a:off x="-71254" y="-122759"/>
-            <a:ext cx="24526507" cy="2756232"/>
-          </a:xfrm>
-          <a:prstGeom prst="rect">
-            <a:avLst/>
-          </a:prstGeom>
-          <a:solidFill>
-            <a:srgbClr val="000000">
-              <a:alpha val="70000"/>
-            </a:srgbClr>
-          </a:solidFill>
-          <a:ln w="12700">
-            <a:miter lim="400000"/>
-          </a:ln>
-          <a:effectLst>
-            <a:outerShdw blurRad="38100" dist="25400" dir="5400000" rotWithShape="0">
-              <a:srgbClr val="000000">
-                <a:alpha val="50000"/>
-              </a:srgbClr>
-            </a:outerShdw>
-          </a:effectLst>
-        </p:spPr>
-        <p:txBody>
-          <a:bodyPr lIns="50800" tIns="50800" rIns="50800" bIns="50800" anchor="ctr"/>
-          <a:lstStyle/>
-          <a:p>
-            <a:pPr>
-              <a:defRPr sz="3200">
-                <a:solidFill>
-                  <a:srgbClr val="FFFFFF"/>
-                </a:solidFill>
-              </a:defRPr>
-            </a:pPr>
-            <a:endParaRPr/>
-          </a:p>
-        </p:txBody>
-      </p:sp>
-      <p:pic>
-        <p:nvPicPr>
-          <p:cNvPr id="129" name="pasted-image.pdf"/>
-          <p:cNvPicPr>
-            <a:picLocks noChangeAspect="1"/>
-          </p:cNvPicPr>
-          <p:nvPr/>
-        </p:nvPicPr>
-        <p:blipFill>
-          <a:blip r:embed="rId2">
-            <a:extLst/>
-          </a:blip>
-          <a:stretch>
-            <a:fillRect/>
-          </a:stretch>
-        </p:blipFill>
-        <p:spPr>
-          <a:xfrm>
-            <a:off x="10238213" y="-109728"/>
-            <a:ext cx="3800445" cy="1093470"/>
+            <a:off x="3639002" y="6017630"/>
+            <a:ext cx="4668573" cy="3180358"/>
           </a:xfrm>
           <a:prstGeom prst="rect">
             <a:avLst/>
@@ -5010,18 +4530,57 @@
           <a:ln w="12700">
             <a:miter lim="400000"/>
           </a:ln>
+          <a:extLst>
+            <a:ext uri="{C572A759-6A51-4108-AA02-DFA0A04FC94B}">
+              <ma14:wrappingTextBoxFlag xmlns="" xmlns:ma14="http://schemas.microsoft.com/office/mac/drawingml/2011/main" val="1"/>
+            </a:ext>
+          </a:extLst>
         </p:spPr>
-      </p:pic>
+        <p:txBody>
+          <a:bodyPr wrap="square" lIns="50800" tIns="50800" rIns="50800" bIns="50800" anchor="ctr">
+            <a:spAutoFit/>
+          </a:bodyPr>
+          <a:lstStyle>
+            <a:lvl1pPr algn="r">
+              <a:defRPr sz="7000" b="1">
+                <a:solidFill>
+                  <a:srgbClr val="FFFFFF"/>
+                </a:solidFill>
+                <a:latin typeface="Helvetica"/>
+                <a:ea typeface="Helvetica"/>
+                <a:cs typeface="Helvetica"/>
+                <a:sym typeface="Helvetica"/>
+              </a:defRPr>
+            </a:lvl1pPr>
+          </a:lstStyle>
+          <a:p>
+            <a:pPr algn="l"/>
+            <a:r>
+              <a:rPr lang="zh-CN" altLang="en-US" sz="4000" b="0" dirty="0" smtClean="0">
+                <a:solidFill>
+                  <a:schemeClr val="bg1"/>
+                </a:solidFill>
+              </a:rPr>
+              <a:t>人们陷入了沉睡，主角需要找到和这个人相关的物品，才能进入他的内心世界</a:t>
+            </a:r>
+            <a:endParaRPr lang="en-US" altLang="zh-CN" sz="4000" b="0" dirty="0" smtClean="0">
+              <a:solidFill>
+                <a:schemeClr val="bg1"/>
+              </a:solidFill>
+            </a:endParaRPr>
+          </a:p>
+        </p:txBody>
+      </p:sp>
       <p:sp>
         <p:nvSpPr>
-          <p:cNvPr id="130" name="Shape 130"/>
+          <p:cNvPr id="15" name="Shape 145"/>
           <p:cNvSpPr/>
           <p:nvPr/>
         </p:nvSpPr>
         <p:spPr>
           <a:xfrm>
-            <a:off x="10327051" y="1170225"/>
-            <a:ext cx="3693319" cy="1179810"/>
+            <a:off x="14926037" y="4697485"/>
+            <a:ext cx="2154436" cy="718145"/>
           </a:xfrm>
           <a:prstGeom prst="rect">
             <a:avLst/>
@@ -5039,9 +4598,8 @@
           <a:bodyPr wrap="none" lIns="50800" tIns="50800" rIns="50800" bIns="50800" anchor="ctr">
             <a:spAutoFit/>
           </a:bodyPr>
-          <a:lstStyle/>
-          <a:p>
-            <a:pPr>
+          <a:lstStyle>
+            <a:lvl1pPr algn="r">
               <a:defRPr sz="7000" b="1">
                 <a:solidFill>
                   <a:srgbClr val="FFFFFF"/>
@@ -5051,125 +4609,554 @@
                 <a:cs typeface="Helvetica"/>
                 <a:sym typeface="Helvetica"/>
               </a:defRPr>
-            </a:pPr>
-            <a:r>
-              <a:rPr lang="zh-CN" altLang="en-US" dirty="0" smtClean="0"/>
-              <a:t>核心玩法</a:t>
-            </a:r>
-            <a:endParaRPr dirty="0" smtClean="0"/>
+            </a:lvl1pPr>
+          </a:lstStyle>
+          <a:p>
+            <a:pPr algn="l"/>
+            <a:r>
+              <a:rPr lang="zh-CN" altLang="en-US" sz="4000" b="0" dirty="0">
+                <a:solidFill>
+                  <a:schemeClr val="bg1"/>
+                </a:solidFill>
+              </a:rPr>
+              <a:t>内心</a:t>
+            </a:r>
+            <a:r>
+              <a:rPr lang="zh-CN" altLang="en-US" sz="4000" b="0" dirty="0" smtClean="0">
+                <a:solidFill>
+                  <a:schemeClr val="bg1"/>
+                </a:solidFill>
+              </a:rPr>
+              <a:t>世界</a:t>
+            </a:r>
+            <a:endParaRPr lang="en-US" altLang="zh-CN" sz="4000" b="0" dirty="0" smtClean="0">
+              <a:solidFill>
+                <a:schemeClr val="bg1"/>
+              </a:solidFill>
+            </a:endParaRPr>
           </a:p>
         </p:txBody>
       </p:sp>
       <p:sp>
         <p:nvSpPr>
-          <p:cNvPr id="3" name="Rectangle 2"/>
+          <p:cNvPr id="16" name="Shape 145"/>
           <p:cNvSpPr/>
           <p:nvPr/>
         </p:nvSpPr>
         <p:spPr>
           <a:xfrm>
-            <a:off x="-50106" y="2599045"/>
-            <a:ext cx="3521467" cy="872034"/>
+            <a:off x="14020370" y="5831413"/>
+            <a:ext cx="4472246" cy="3795911"/>
           </a:xfrm>
           <a:prstGeom prst="rect">
             <a:avLst/>
           </a:prstGeom>
-          <a:solidFill>
-            <a:srgbClr val="00AF66"/>
-          </a:solidFill>
-          <a:ln w="12700" cap="flat">
-            <a:solidFill>
-              <a:schemeClr val="tx1"/>
-            </a:solidFill>
+          <a:ln w="12700">
             <a:miter lim="400000"/>
           </a:ln>
-          <a:effectLst>
-            <a:outerShdw blurRad="38100" dist="25400" dir="5400000" rotWithShape="0">
-              <a:srgbClr val="000000">
-                <a:alpha val="50000"/>
-              </a:srgbClr>
-            </a:outerShdw>
-          </a:effectLst>
-          <a:sp3d/>
+          <a:extLst>
+            <a:ext uri="{C572A759-6A51-4108-AA02-DFA0A04FC94B}">
+              <ma14:wrappingTextBoxFlag xmlns="" xmlns:ma14="http://schemas.microsoft.com/office/mac/drawingml/2011/main" val="1"/>
+            </a:ext>
+          </a:extLst>
         </p:spPr>
-        <p:style>
-          <a:lnRef idx="0">
-            <a:scrgbClr r="0" g="0" b="0"/>
-          </a:lnRef>
-          <a:fillRef idx="0">
-            <a:scrgbClr r="0" g="0" b="0"/>
-          </a:fillRef>
-          <a:effectRef idx="0">
-            <a:scrgbClr r="0" g="0" b="0"/>
-          </a:effectRef>
-          <a:fontRef idx="none"/>
-        </p:style>
         <p:txBody>
-          <a:bodyPr rot="0" spcFirstLastPara="1" vertOverflow="overflow" horzOverflow="overflow" vert="horz" wrap="square" lIns="50800" tIns="50800" rIns="50800" bIns="50800" numCol="1" spcCol="38100" rtlCol="0" anchor="ctr">
+          <a:bodyPr wrap="square" lIns="50800" tIns="50800" rIns="50800" bIns="50800" anchor="ctr">
             <a:spAutoFit/>
           </a:bodyPr>
-          <a:lstStyle/>
-          <a:p>
-            <a:pPr marL="0" marR="0" indent="0" algn="ctr" defTabSz="825500" rtl="0" fontAlgn="auto" latinLnBrk="0" hangingPunct="0">
-              <a:lnSpc>
-                <a:spcPct val="100000"/>
-              </a:lnSpc>
-              <a:spcBef>
-                <a:spcPts val="0"/>
-              </a:spcBef>
-              <a:spcAft>
-                <a:spcPts val="0"/>
-              </a:spcAft>
-              <a:buClrTx/>
-              <a:buSzTx/>
-              <a:buFontTx/>
-              <a:buNone/>
-              <a:tabLst/>
-            </a:pPr>
-            <a:r>
-              <a:rPr kumimoji="0" lang="zh-CN" altLang="en-US" b="0" i="0" u="none" strike="noStrike" cap="none" spc="0" normalizeH="0" baseline="0" dirty="0" smtClean="0">
-                <a:ln>
-                  <a:noFill/>
-                </a:ln>
+          <a:lstStyle>
+            <a:lvl1pPr algn="r">
+              <a:defRPr sz="7000" b="1">
                 <a:solidFill>
                   <a:srgbClr val="FFFFFF"/>
                 </a:solidFill>
-                <a:effectLst/>
-                <a:uFillTx/>
-                <a:latin typeface="微软雅黑" panose="020B0503020204020204" pitchFamily="34" charset="-122"/>
-                <a:ea typeface="微软雅黑" panose="020B0503020204020204" pitchFamily="34" charset="-122"/>
-                <a:sym typeface="Helvetica Light"/>
-              </a:rPr>
-              <a:t>时</a:t>
-            </a:r>
-            <a:r>
-              <a:rPr kumimoji="0" lang="zh-CN" altLang="en-US" b="0" i="0" u="none" strike="noStrike" cap="none" spc="0" normalizeH="0" baseline="0" dirty="0" smtClean="0">
-                <a:ln>
-                  <a:noFill/>
-                </a:ln>
+                <a:latin typeface="Helvetica"/>
+                <a:ea typeface="Helvetica"/>
+                <a:cs typeface="Helvetica"/>
+                <a:sym typeface="Helvetica"/>
+              </a:defRPr>
+            </a:lvl1pPr>
+          </a:lstStyle>
+          <a:p>
+            <a:pPr algn="l"/>
+            <a:r>
+              <a:rPr lang="zh-CN" altLang="en-US" sz="4000" b="0" dirty="0" smtClean="0">
+                <a:solidFill>
+                  <a:schemeClr val="bg1"/>
+                </a:solidFill>
+              </a:rPr>
+              <a:t>不同的</a:t>
+            </a:r>
+            <a:r>
+              <a:rPr lang="en-US" altLang="zh-CN" sz="4000" b="0" dirty="0" smtClean="0">
+                <a:solidFill>
+                  <a:schemeClr val="bg1"/>
+                </a:solidFill>
+              </a:rPr>
+              <a:t>NPC</a:t>
+            </a:r>
+            <a:r>
+              <a:rPr lang="zh-CN" altLang="en-US" sz="4000" b="0" dirty="0" smtClean="0">
+                <a:solidFill>
+                  <a:schemeClr val="bg1"/>
+                </a:solidFill>
+              </a:rPr>
+              <a:t>内心世界不一样，可以体验</a:t>
+            </a:r>
+            <a:r>
+              <a:rPr lang="en-US" altLang="zh-CN" sz="4000" b="0" dirty="0" smtClean="0">
+                <a:solidFill>
+                  <a:schemeClr val="bg1"/>
+                </a:solidFill>
+              </a:rPr>
+              <a:t>NPC</a:t>
+            </a:r>
+            <a:r>
+              <a:rPr lang="zh-CN" altLang="en-US" sz="4000" b="0" dirty="0" smtClean="0">
+                <a:solidFill>
+                  <a:schemeClr val="bg1"/>
+                </a:solidFill>
+              </a:rPr>
+              <a:t>的内心的故事，最后找到内心深处的恶魔，击败恶魔</a:t>
+            </a:r>
+            <a:endParaRPr lang="en-US" altLang="zh-CN" sz="4000" b="0" dirty="0" smtClean="0">
+              <a:solidFill>
+                <a:schemeClr val="bg1"/>
+              </a:solidFill>
+            </a:endParaRPr>
+          </a:p>
+        </p:txBody>
+      </p:sp>
+      <p:sp>
+        <p:nvSpPr>
+          <p:cNvPr id="22" name="Shape 145"/>
+          <p:cNvSpPr/>
+          <p:nvPr/>
+        </p:nvSpPr>
+        <p:spPr>
+          <a:xfrm>
+            <a:off x="1482083" y="3705546"/>
+            <a:ext cx="21383253" cy="9258945"/>
+          </a:xfrm>
+          <a:prstGeom prst="rect">
+            <a:avLst/>
+          </a:prstGeom>
+          <a:ln w="12700">
+            <a:miter lim="400000"/>
+          </a:ln>
+          <a:extLst>
+            <a:ext uri="{C572A759-6A51-4108-AA02-DFA0A04FC94B}">
+              <ma14:wrappingTextBoxFlag xmlns="" xmlns:ma14="http://schemas.microsoft.com/office/mac/drawingml/2011/main" val="1"/>
+            </a:ext>
+          </a:extLst>
+        </p:spPr>
+        <p:txBody>
+          <a:bodyPr wrap="square" lIns="50800" tIns="50800" rIns="50800" bIns="50800" anchor="ctr">
+            <a:spAutoFit/>
+          </a:bodyPr>
+          <a:lstStyle>
+            <a:lvl1pPr algn="r">
+              <a:defRPr sz="7000" b="1">
                 <a:solidFill>
                   <a:srgbClr val="FFFFFF"/>
                 </a:solidFill>
-                <a:effectLst/>
-                <a:uFillTx/>
-                <a:latin typeface="微软雅黑" panose="020B0503020204020204" pitchFamily="34" charset="-122"/>
-                <a:ea typeface="微软雅黑" panose="020B0503020204020204" pitchFamily="34" charset="-122"/>
-                <a:sym typeface="Helvetica Light"/>
-              </a:rPr>
-              <a:t>间控制</a:t>
-            </a:r>
-            <a:endParaRPr kumimoji="0" lang="zh-CN" altLang="en-US" b="0" i="0" u="none" strike="noStrike" cap="none" spc="0" normalizeH="0" baseline="0" dirty="0">
-              <a:ln>
-                <a:noFill/>
-              </a:ln>
+                <a:latin typeface="Helvetica"/>
+                <a:ea typeface="Helvetica"/>
+                <a:cs typeface="Helvetica"/>
+                <a:sym typeface="Helvetica"/>
+              </a:defRPr>
+            </a:lvl1pPr>
+          </a:lstStyle>
+          <a:p>
+            <a:pPr algn="l"/>
+            <a:r>
+              <a:rPr lang="zh-CN" altLang="en-US" sz="3500" dirty="0">
+                <a:solidFill>
+                  <a:schemeClr val="tx1"/>
+                </a:solidFill>
+              </a:rPr>
+              <a:t>主</a:t>
+            </a:r>
+            <a:r>
+              <a:rPr lang="zh-CN" altLang="en-US" sz="3500" dirty="0" smtClean="0">
+                <a:solidFill>
+                  <a:schemeClr val="tx1"/>
+                </a:solidFill>
+              </a:rPr>
+              <a:t>角</a:t>
+            </a:r>
+            <a:endParaRPr lang="en-US" altLang="zh-CN" sz="3500" dirty="0" smtClean="0">
               <a:solidFill>
-                <a:srgbClr val="FFFFFF"/>
+                <a:schemeClr val="tx1"/>
               </a:solidFill>
-              <a:effectLst/>
-              <a:uFillTx/>
-              <a:latin typeface="微软雅黑" panose="020B0503020204020204" pitchFamily="34" charset="-122"/>
-              <a:ea typeface="微软雅黑" panose="020B0503020204020204" pitchFamily="34" charset="-122"/>
-              <a:sym typeface="Helvetica Light"/>
+            </a:endParaRPr>
+          </a:p>
+          <a:p>
+            <a:pPr algn="l"/>
+            <a:r>
+              <a:rPr lang="zh-CN" altLang="en-US" sz="3500" b="0" dirty="0">
+                <a:solidFill>
+                  <a:schemeClr val="tx1"/>
+                </a:solidFill>
+              </a:rPr>
+              <a:t>主</a:t>
+            </a:r>
+            <a:r>
+              <a:rPr lang="zh-CN" altLang="en-US" sz="3500" b="0" dirty="0" smtClean="0">
+                <a:solidFill>
+                  <a:schemeClr val="tx1"/>
+                </a:solidFill>
+              </a:rPr>
+              <a:t>角来自其他地方，对这个村庄不熟悉，获得了进入他人内心世界的能力，前提是需要找到每个人最为关心的道具</a:t>
+            </a:r>
+            <a:endParaRPr lang="en-US" altLang="zh-CN" sz="3500" b="0" dirty="0" smtClean="0">
+              <a:solidFill>
+                <a:schemeClr val="tx1"/>
+              </a:solidFill>
+            </a:endParaRPr>
+          </a:p>
+          <a:p>
+            <a:pPr algn="l"/>
+            <a:r>
+              <a:rPr lang="zh-CN" altLang="en-US" sz="3500" dirty="0">
+                <a:solidFill>
+                  <a:schemeClr val="tx1"/>
+                </a:solidFill>
+              </a:rPr>
+              <a:t>小女</a:t>
+            </a:r>
+            <a:r>
+              <a:rPr lang="zh-CN" altLang="en-US" sz="3500" dirty="0" smtClean="0">
+                <a:solidFill>
+                  <a:schemeClr val="tx1"/>
+                </a:solidFill>
+              </a:rPr>
+              <a:t>孩</a:t>
+            </a:r>
+            <a:endParaRPr lang="en-US" altLang="zh-CN" sz="3500" dirty="0" smtClean="0">
+              <a:solidFill>
+                <a:schemeClr val="tx1"/>
+              </a:solidFill>
+            </a:endParaRPr>
+          </a:p>
+          <a:p>
+            <a:pPr algn="l"/>
+            <a:r>
+              <a:rPr lang="zh-CN" altLang="en-US" sz="3500" b="0" dirty="0">
+                <a:solidFill>
+                  <a:schemeClr val="tx1"/>
+                </a:solidFill>
+              </a:rPr>
+              <a:t>小女</a:t>
+            </a:r>
+            <a:r>
+              <a:rPr lang="zh-CN" altLang="en-US" sz="3500" b="0" dirty="0" smtClean="0">
+                <a:solidFill>
+                  <a:schemeClr val="tx1"/>
+                </a:solidFill>
+              </a:rPr>
+              <a:t>孩没有陷入沉睡，而且对村庄里的每个人都很熟悉，通过小女孩主角可以获得每个人的信息，从而找到关键道具，</a:t>
+            </a:r>
+            <a:r>
+              <a:rPr lang="zh-CN" altLang="en-US" sz="3500" b="0" dirty="0">
+                <a:solidFill>
+                  <a:schemeClr val="tx1"/>
+                </a:solidFill>
+              </a:rPr>
+              <a:t>进</a:t>
+            </a:r>
+            <a:r>
+              <a:rPr lang="zh-CN" altLang="en-US" sz="3500" b="0" dirty="0" smtClean="0">
+                <a:solidFill>
+                  <a:schemeClr val="tx1"/>
+                </a:solidFill>
+              </a:rPr>
+              <a:t>入到内个人的内心世界，小女孩也会帮助主角做一些其他的事情</a:t>
+            </a:r>
+            <a:endParaRPr lang="en-US" altLang="zh-CN" sz="3500" b="0" dirty="0" smtClean="0">
+              <a:solidFill>
+                <a:schemeClr val="tx1"/>
+              </a:solidFill>
+            </a:endParaRPr>
+          </a:p>
+          <a:p>
+            <a:pPr algn="l"/>
+            <a:r>
+              <a:rPr lang="zh-CN" altLang="en-US" sz="3500" dirty="0">
+                <a:solidFill>
+                  <a:schemeClr val="tx1"/>
+                </a:solidFill>
+              </a:rPr>
+              <a:t>现</a:t>
+            </a:r>
+            <a:r>
+              <a:rPr lang="zh-CN" altLang="en-US" sz="3500" dirty="0" smtClean="0">
+                <a:solidFill>
+                  <a:schemeClr val="tx1"/>
+                </a:solidFill>
+              </a:rPr>
+              <a:t>实世界</a:t>
+            </a:r>
+            <a:endParaRPr lang="en-US" altLang="zh-CN" sz="3500" dirty="0" smtClean="0">
+              <a:solidFill>
+                <a:schemeClr val="tx1"/>
+              </a:solidFill>
+            </a:endParaRPr>
+          </a:p>
+          <a:p>
+            <a:pPr algn="l"/>
+            <a:r>
+              <a:rPr lang="zh-CN" altLang="en-US" sz="3500" b="0" dirty="0">
+                <a:solidFill>
+                  <a:schemeClr val="tx1"/>
+                </a:solidFill>
+              </a:rPr>
+              <a:t>现</a:t>
+            </a:r>
+            <a:r>
+              <a:rPr lang="zh-CN" altLang="en-US" sz="3500" b="0" dirty="0" smtClean="0">
+                <a:solidFill>
+                  <a:schemeClr val="tx1"/>
+                </a:solidFill>
+              </a:rPr>
+              <a:t>实世界，所有村民都陷入了沉睡，主角需要帮助他们，主角在现实世界可以</a:t>
+            </a:r>
+            <a:r>
+              <a:rPr lang="zh-CN" altLang="en-US" sz="3500" b="0" dirty="0">
+                <a:solidFill>
+                  <a:schemeClr val="tx1"/>
+                </a:solidFill>
+              </a:rPr>
+              <a:t>获</a:t>
+            </a:r>
+            <a:r>
+              <a:rPr lang="zh-CN" altLang="en-US" sz="3500" b="0" dirty="0" smtClean="0">
+                <a:solidFill>
+                  <a:schemeClr val="tx1"/>
+                </a:solidFill>
+              </a:rPr>
+              <a:t>得信息，了解他所在的村庄，以及发生的事情，以及与废弃深山有关的事情</a:t>
+            </a:r>
+            <a:endParaRPr lang="en-US" altLang="zh-CN" sz="3500" b="0" dirty="0" smtClean="0">
+              <a:solidFill>
+                <a:schemeClr val="tx1"/>
+              </a:solidFill>
+            </a:endParaRPr>
+          </a:p>
+          <a:p>
+            <a:pPr algn="l"/>
+            <a:r>
+              <a:rPr lang="zh-CN" altLang="en-US" sz="3500" dirty="0">
+                <a:solidFill>
+                  <a:schemeClr val="tx1"/>
+                </a:solidFill>
+              </a:rPr>
+              <a:t>内</a:t>
+            </a:r>
+            <a:r>
+              <a:rPr lang="zh-CN" altLang="en-US" sz="3500" dirty="0" smtClean="0">
+                <a:solidFill>
+                  <a:schemeClr val="tx1"/>
+                </a:solidFill>
+              </a:rPr>
+              <a:t>心世界</a:t>
+            </a:r>
+            <a:endParaRPr lang="en-US" altLang="zh-CN" sz="3500" dirty="0" smtClean="0">
+              <a:solidFill>
+                <a:schemeClr val="tx1"/>
+              </a:solidFill>
+            </a:endParaRPr>
+          </a:p>
+          <a:p>
+            <a:pPr algn="l"/>
+            <a:r>
+              <a:rPr lang="zh-CN" altLang="en-US" sz="3500" b="0" dirty="0">
+                <a:solidFill>
+                  <a:schemeClr val="tx1"/>
+                </a:solidFill>
+              </a:rPr>
+              <a:t>每个</a:t>
+            </a:r>
+            <a:r>
+              <a:rPr lang="zh-CN" altLang="en-US" sz="3500" b="0" dirty="0" smtClean="0">
+                <a:solidFill>
+                  <a:schemeClr val="tx1"/>
+                </a:solidFill>
+              </a:rPr>
+              <a:t>人的内心世界是不一样的，游戏核心主要是体验每个人的内心世界，</a:t>
+            </a:r>
+            <a:r>
+              <a:rPr lang="zh-CN" altLang="en-US" sz="3500" b="0" dirty="0" smtClean="0">
+                <a:solidFill>
+                  <a:schemeClr val="tx1"/>
+                </a:solidFill>
+              </a:rPr>
+              <a:t>帮助内心世界的人们摆</a:t>
+            </a:r>
+            <a:r>
+              <a:rPr lang="zh-CN" altLang="en-US" sz="3500" b="0" dirty="0" smtClean="0">
+                <a:solidFill>
+                  <a:schemeClr val="tx1"/>
+                </a:solidFill>
+              </a:rPr>
+              <a:t>脱恶魔</a:t>
+            </a:r>
+            <a:endParaRPr lang="en-US" altLang="zh-CN" sz="3500" b="0" dirty="0" smtClean="0">
+              <a:solidFill>
+                <a:schemeClr val="tx1"/>
+              </a:solidFill>
+            </a:endParaRPr>
+          </a:p>
+          <a:p>
+            <a:pPr algn="l"/>
+            <a:r>
+              <a:rPr lang="zh-CN" altLang="en-US" sz="3500" dirty="0">
+                <a:solidFill>
+                  <a:schemeClr val="tx1"/>
+                </a:solidFill>
+              </a:rPr>
+              <a:t>废</a:t>
+            </a:r>
+            <a:r>
+              <a:rPr lang="zh-CN" altLang="en-US" sz="3500" dirty="0" smtClean="0">
+                <a:solidFill>
+                  <a:schemeClr val="tx1"/>
+                </a:solidFill>
+              </a:rPr>
+              <a:t>弃深</a:t>
+            </a:r>
+            <a:r>
+              <a:rPr lang="zh-CN" altLang="en-US" sz="3500" dirty="0" smtClean="0">
+                <a:solidFill>
+                  <a:schemeClr val="tx1"/>
+                </a:solidFill>
+              </a:rPr>
+              <a:t>山</a:t>
+            </a:r>
+            <a:endParaRPr lang="en-US" altLang="zh-CN" sz="3500" dirty="0" smtClean="0">
+              <a:solidFill>
+                <a:schemeClr val="tx1"/>
+              </a:solidFill>
+            </a:endParaRPr>
+          </a:p>
+          <a:p>
+            <a:pPr algn="l"/>
+            <a:r>
+              <a:rPr lang="zh-CN" altLang="en-US" sz="3500" b="0" dirty="0">
+                <a:solidFill>
+                  <a:schemeClr val="tx1"/>
+                </a:solidFill>
+              </a:rPr>
+              <a:t>没</a:t>
+            </a:r>
+            <a:r>
+              <a:rPr lang="zh-CN" altLang="en-US" sz="3500" b="0" dirty="0" smtClean="0">
+                <a:solidFill>
+                  <a:schemeClr val="tx1"/>
+                </a:solidFill>
+              </a:rPr>
+              <a:t>有人知道这个山为什么废弃，只知道这里不能进入，恶魔被封印在这里</a:t>
+            </a:r>
+            <a:endParaRPr lang="en-US" altLang="zh-CN" sz="3500" b="0" dirty="0" smtClean="0">
+              <a:solidFill>
+                <a:schemeClr val="tx1"/>
+              </a:solidFill>
+            </a:endParaRPr>
+          </a:p>
+          <a:p>
+            <a:pPr algn="l"/>
+            <a:r>
+              <a:rPr lang="zh-CN" altLang="en-US" sz="3500" dirty="0">
+                <a:solidFill>
+                  <a:schemeClr val="tx1"/>
+                </a:solidFill>
+              </a:rPr>
+              <a:t>恶</a:t>
+            </a:r>
+            <a:r>
+              <a:rPr lang="zh-CN" altLang="en-US" sz="3500" dirty="0" smtClean="0">
+                <a:solidFill>
+                  <a:schemeClr val="tx1"/>
+                </a:solidFill>
+              </a:rPr>
+              <a:t>魔</a:t>
+            </a:r>
+            <a:endParaRPr lang="en-US" altLang="zh-CN" sz="3500" dirty="0" smtClean="0">
+              <a:solidFill>
+                <a:schemeClr val="tx1"/>
+              </a:solidFill>
+            </a:endParaRPr>
+          </a:p>
+          <a:p>
+            <a:pPr algn="l"/>
+            <a:r>
+              <a:rPr lang="zh-CN" altLang="en-US" sz="3500" b="0" dirty="0">
+                <a:solidFill>
+                  <a:schemeClr val="tx1"/>
+                </a:solidFill>
+              </a:rPr>
+              <a:t>由</a:t>
+            </a:r>
+            <a:r>
+              <a:rPr lang="zh-CN" altLang="en-US" sz="3500" b="0" dirty="0" smtClean="0">
+                <a:solidFill>
+                  <a:schemeClr val="tx1"/>
+                </a:solidFill>
+              </a:rPr>
+              <a:t>于村民的不良行为，恶魔找到了破绽，击败了天使，但是所有人陷入了沉睡，直到遇见主角的到来</a:t>
+            </a:r>
+            <a:endParaRPr lang="en-US" altLang="zh-CN" sz="3500" b="0" dirty="0" smtClean="0">
+              <a:solidFill>
+                <a:schemeClr val="tx1"/>
+              </a:solidFill>
+            </a:endParaRPr>
+          </a:p>
+          <a:p>
+            <a:pPr algn="l"/>
+            <a:r>
+              <a:rPr lang="zh-CN" altLang="en-US" sz="3500" dirty="0">
+                <a:solidFill>
+                  <a:schemeClr val="tx1"/>
+                </a:solidFill>
+              </a:rPr>
+              <a:t>天</a:t>
+            </a:r>
+            <a:r>
+              <a:rPr lang="zh-CN" altLang="en-US" sz="3500" dirty="0" smtClean="0">
+                <a:solidFill>
+                  <a:schemeClr val="tx1"/>
+                </a:solidFill>
+              </a:rPr>
+              <a:t>使</a:t>
+            </a:r>
+            <a:endParaRPr lang="en-US" altLang="zh-CN" sz="3500" dirty="0" smtClean="0">
+              <a:solidFill>
+                <a:schemeClr val="tx1"/>
+              </a:solidFill>
+            </a:endParaRPr>
+          </a:p>
+          <a:p>
+            <a:pPr algn="l"/>
+            <a:r>
+              <a:rPr lang="zh-CN" altLang="en-US" sz="3500" b="0" dirty="0">
+                <a:solidFill>
+                  <a:schemeClr val="tx1"/>
+                </a:solidFill>
+              </a:rPr>
+              <a:t>天</a:t>
+            </a:r>
+            <a:r>
+              <a:rPr lang="zh-CN" altLang="en-US" sz="3500" b="0" dirty="0" smtClean="0">
+                <a:solidFill>
+                  <a:schemeClr val="tx1"/>
+                </a:solidFill>
+              </a:rPr>
+              <a:t>使一直守护着这个村庄，被打败后成为了一个小女孩，最后小女孩牺牲了自己，又变成了天使</a:t>
+            </a:r>
+            <a:endParaRPr lang="en-US" altLang="zh-CN" sz="3500" b="0" dirty="0" smtClean="0">
+              <a:solidFill>
+                <a:schemeClr val="tx1"/>
+              </a:solidFill>
             </a:endParaRPr>
           </a:p>
         </p:txBody>
@@ -5177,7 +5164,7 @@
     </p:spTree>
     <p:extLst>
       <p:ext uri="{BB962C8B-B14F-4D97-AF65-F5344CB8AC3E}">
-        <p14:creationId xmlns:p14="http://schemas.microsoft.com/office/powerpoint/2010/main" val="1144264685"/>
+        <p14:creationId xmlns:p14="http://schemas.microsoft.com/office/powerpoint/2010/main" val="3174097522"/>
       </p:ext>
     </p:extLst>
   </p:cSld>
